--- a/documents/Presentation.pptx
+++ b/documents/Presentation.pptx
@@ -20799,34 +20799,6 @@
           </a:p>
         </p:txBody>
       </p:sp>
-      <p:pic>
-        <p:nvPicPr>
-          <p:cNvPr id="7" name="תמונה 6">
-            <a:extLst>
-              <a:ext uri="{FF2B5EF4-FFF2-40B4-BE49-F238E27FC236}">
-                <a16:creationId xmlns:a16="http://schemas.microsoft.com/office/drawing/2014/main" id="{AC69E1F3-A928-4D2F-A12A-4C766725085B}"/>
-              </a:ext>
-            </a:extLst>
-          </p:cNvPr>
-          <p:cNvPicPr/>
-          <p:nvPr/>
-        </p:nvPicPr>
-        <p:blipFill>
-          <a:blip r:embed="rId2"/>
-          <a:stretch>
-            <a:fillRect/>
-          </a:stretch>
-        </p:blipFill>
-        <p:spPr>
-          <a:xfrm>
-            <a:off x="687046" y="2923984"/>
-            <a:ext cx="6036450" cy="3542218"/>
-          </a:xfrm>
-          <a:prstGeom prst="rect">
-            <a:avLst/>
-          </a:prstGeom>
-        </p:spPr>
-      </p:pic>
       <p:sp>
         <p:nvSpPr>
           <p:cNvPr id="12" name="Text 1">
@@ -20915,7 +20887,7 @@
           <p:nvPr/>
         </p:nvPicPr>
         <p:blipFill>
-          <a:blip r:embed="rId3">
+          <a:blip r:embed="rId2">
             <a:extLst>
               <a:ext uri="{28A0092B-C50C-407E-A947-70E740481C1C}">
                 <a14:useLocalDpi xmlns:a14="http://schemas.microsoft.com/office/drawing/2010/main" val="0"/>
@@ -20976,6 +20948,42 @@
           </a:p>
         </p:txBody>
       </p:sp>
+      <p:pic>
+        <p:nvPicPr>
+          <p:cNvPr id="3" name="תמונה 2">
+            <a:extLst>
+              <a:ext uri="{FF2B5EF4-FFF2-40B4-BE49-F238E27FC236}">
+                <a16:creationId xmlns:a16="http://schemas.microsoft.com/office/drawing/2014/main" id="{6964DE3D-550B-4AA0-BAB0-6D16E7FA5C25}"/>
+              </a:ext>
+            </a:extLst>
+          </p:cNvPr>
+          <p:cNvPicPr>
+            <a:picLocks noChangeAspect="1"/>
+          </p:cNvPicPr>
+          <p:nvPr/>
+        </p:nvPicPr>
+        <p:blipFill>
+          <a:blip r:embed="rId3">
+            <a:extLst>
+              <a:ext uri="{28A0092B-C50C-407E-A947-70E740481C1C}">
+                <a14:useLocalDpi xmlns:a14="http://schemas.microsoft.com/office/drawing/2010/main" val="0"/>
+              </a:ext>
+            </a:extLst>
+          </a:blip>
+          <a:stretch>
+            <a:fillRect/>
+          </a:stretch>
+        </p:blipFill>
+        <p:spPr>
+          <a:xfrm>
+            <a:off x="606881" y="2839630"/>
+            <a:ext cx="6044819" cy="3540193"/>
+          </a:xfrm>
+          <a:prstGeom prst="rect">
+            <a:avLst/>
+          </a:prstGeom>
+        </p:spPr>
+      </p:pic>
     </p:spTree>
     <p:extLst>
       <p:ext uri="{BB962C8B-B14F-4D97-AF65-F5344CB8AC3E}">
